--- a/PracticeTasks/Module2/Task_9.1/Task_9.1.pptx
+++ b/PracticeTasks/Module2/Task_9.1/Task_9.1.pptx
@@ -7067,6 +7067,62 @@
               <a:t>Resources and microservices</a:t>
             </a:r>
             <a:endParaRPr/>
+          </a:p>
+        </p:txBody>
+      </p:sp>
+      <p:sp>
+        <p:nvSpPr>
+          <p:cNvPr id="2" name="TextBox 1">
+            <a:extLst>
+              <a:ext uri="{FF2B5EF4-FFF2-40B4-BE49-F238E27FC236}">
+                <a16:creationId xmlns:a16="http://schemas.microsoft.com/office/drawing/2014/main" id="{B6ACE65D-DCDE-4B9E-9205-EA987BF06698}"/>
+              </a:ext>
+            </a:extLst>
+          </p:cNvPr>
+          <p:cNvSpPr txBox="1"/>
+          <p:nvPr/>
+        </p:nvSpPr>
+        <p:spPr>
+          <a:xfrm>
+            <a:off x="4455268" y="4513634"/>
+            <a:ext cx="4584970" cy="307777"/>
+          </a:xfrm>
+          <a:prstGeom prst="rect">
+            <a:avLst/>
+          </a:prstGeom>
+          <a:noFill/>
+        </p:spPr>
+        <p:txBody>
+          <a:bodyPr wrap="square" rtlCol="0">
+            <a:spAutoFit/>
+          </a:bodyPr>
+          <a:lstStyle/>
+          <a:p>
+            <a:r>
+              <a:rPr lang="en-US"/>
+              <a:t>Responsible </a:t>
+            </a:r>
+            <a:r>
+              <a:rPr lang="en-US" dirty="0"/>
+              <a:t>of K8s cluster: </a:t>
+            </a:r>
+            <a:r>
+              <a:rPr lang="en-GB" dirty="0" err="1">
+                <a:solidFill>
+                  <a:schemeClr val="dk1"/>
+                </a:solidFill>
+              </a:rPr>
+              <a:t>Smolkin</a:t>
+            </a:r>
+            <a:r>
+              <a:rPr lang="en-GB" dirty="0">
+                <a:solidFill>
+                  <a:schemeClr val="dk1"/>
+                </a:solidFill>
+              </a:rPr>
+              <a:t> Mikhail</a:t>
+            </a:r>
+            <a:endParaRPr lang="ru-RU" dirty="0"/>
           </a:p>
         </p:txBody>
       </p:sp>
@@ -9192,7 +9248,7 @@
               <a:t>/blob/master/Practice%20Tasks/Module2/</a:t>
             </a:r>
             <a:r>
-              <a:rPr lang="en-GB" sz="1400" u="sng">
+              <a:rPr lang="en-GB" sz="1400" u="sng" dirty="0">
                 <a:solidFill>
                   <a:schemeClr val="dk1"/>
                 </a:solidFill>

--- a/PracticeTasks/Module2/Task_9.1/Task_9.1.pptx
+++ b/PracticeTasks/Module2/Task_9.1/Task_9.1.pptx
@@ -9253,7 +9253,7 @@
                   <a:schemeClr val="dk1"/>
                 </a:solidFill>
               </a:rPr>
-              <a:t>Task9/Task_9.1.pdf</a:t>
+              <a:t>Task_9.1/Task_9.1.pdf</a:t>
             </a:r>
             <a:endParaRPr sz="1400" u="sng" dirty="0">
               <a:solidFill>

--- a/PracticeTasks/Module2/Task_9.1/Task_9.1.pptx
+++ b/PracticeTasks/Module2/Task_9.1/Task_9.1.pptx
@@ -7940,14 +7940,13 @@
         </p:nvPicPr>
         <p:blipFill>
           <a:blip r:embed="rId3"/>
-          <a:stretch>
-            <a:fillRect/>
-          </a:stretch>
+          <a:srcRect/>
+          <a:stretch/>
         </p:blipFill>
         <p:spPr>
           <a:xfrm>
-            <a:off x="2810754" y="968188"/>
-            <a:ext cx="3928702" cy="3697941"/>
+            <a:off x="2813813" y="968188"/>
+            <a:ext cx="3922582" cy="3697941"/>
           </a:xfrm>
           <a:prstGeom prst="rect">
             <a:avLst/>
